--- a/training-cards/agile moves/01_templates/ger_training_card_template_am_cc.pptx
+++ b/training-cards/agile moves/01_templates/ger_training_card_template_am_cc.pptx
@@ -16,74 +16,74 @@
   <p:defaultTextStyle>
     <a:lvl1pPr defTabSz="403387">
       <a:defRPr sz="1600">
-        <a:latin typeface="Calibri"/>
-        <a:ea typeface="Calibri"/>
-        <a:cs typeface="Calibri"/>
-        <a:sym typeface="Calibri"/>
+        <a:latin typeface="+mj-lt"/>
+        <a:ea typeface="+mj-ea"/>
+        <a:cs typeface="+mj-cs"/>
+        <a:sym typeface="Helvetica Neue"/>
       </a:defRPr>
     </a:lvl1pPr>
-    <a:lvl2pPr indent="403387" defTabSz="403387">
+    <a:lvl2pPr defTabSz="403387">
       <a:defRPr sz="1600">
-        <a:latin typeface="Calibri"/>
-        <a:ea typeface="Calibri"/>
-        <a:cs typeface="Calibri"/>
-        <a:sym typeface="Calibri"/>
+        <a:latin typeface="+mj-lt"/>
+        <a:ea typeface="+mj-ea"/>
+        <a:cs typeface="+mj-cs"/>
+        <a:sym typeface="Helvetica Neue"/>
       </a:defRPr>
     </a:lvl2pPr>
-    <a:lvl3pPr indent="806774" defTabSz="403387">
+    <a:lvl3pPr defTabSz="403387">
       <a:defRPr sz="1600">
-        <a:latin typeface="Calibri"/>
-        <a:ea typeface="Calibri"/>
-        <a:cs typeface="Calibri"/>
-        <a:sym typeface="Calibri"/>
+        <a:latin typeface="+mj-lt"/>
+        <a:ea typeface="+mj-ea"/>
+        <a:cs typeface="+mj-cs"/>
+        <a:sym typeface="Helvetica Neue"/>
       </a:defRPr>
     </a:lvl3pPr>
-    <a:lvl4pPr indent="1210162" defTabSz="403387">
+    <a:lvl4pPr defTabSz="403387">
       <a:defRPr sz="1600">
-        <a:latin typeface="Calibri"/>
-        <a:ea typeface="Calibri"/>
-        <a:cs typeface="Calibri"/>
-        <a:sym typeface="Calibri"/>
+        <a:latin typeface="+mj-lt"/>
+        <a:ea typeface="+mj-ea"/>
+        <a:cs typeface="+mj-cs"/>
+        <a:sym typeface="Helvetica Neue"/>
       </a:defRPr>
     </a:lvl4pPr>
-    <a:lvl5pPr indent="1613549" defTabSz="403387">
+    <a:lvl5pPr defTabSz="403387">
       <a:defRPr sz="1600">
-        <a:latin typeface="Calibri"/>
-        <a:ea typeface="Calibri"/>
-        <a:cs typeface="Calibri"/>
-        <a:sym typeface="Calibri"/>
+        <a:latin typeface="+mj-lt"/>
+        <a:ea typeface="+mj-ea"/>
+        <a:cs typeface="+mj-cs"/>
+        <a:sym typeface="Helvetica Neue"/>
       </a:defRPr>
     </a:lvl5pPr>
-    <a:lvl6pPr indent="2016937" defTabSz="403387">
+    <a:lvl6pPr defTabSz="403387">
       <a:defRPr sz="1600">
-        <a:latin typeface="Calibri"/>
-        <a:ea typeface="Calibri"/>
-        <a:cs typeface="Calibri"/>
-        <a:sym typeface="Calibri"/>
+        <a:latin typeface="+mj-lt"/>
+        <a:ea typeface="+mj-ea"/>
+        <a:cs typeface="+mj-cs"/>
+        <a:sym typeface="Helvetica Neue"/>
       </a:defRPr>
     </a:lvl6pPr>
-    <a:lvl7pPr indent="2420324" defTabSz="403387">
+    <a:lvl7pPr defTabSz="403387">
       <a:defRPr sz="1600">
-        <a:latin typeface="Calibri"/>
-        <a:ea typeface="Calibri"/>
-        <a:cs typeface="Calibri"/>
-        <a:sym typeface="Calibri"/>
+        <a:latin typeface="+mj-lt"/>
+        <a:ea typeface="+mj-ea"/>
+        <a:cs typeface="+mj-cs"/>
+        <a:sym typeface="Helvetica Neue"/>
       </a:defRPr>
     </a:lvl7pPr>
-    <a:lvl8pPr indent="2823712" defTabSz="403387">
+    <a:lvl8pPr defTabSz="403387">
       <a:defRPr sz="1600">
-        <a:latin typeface="Calibri"/>
-        <a:ea typeface="Calibri"/>
-        <a:cs typeface="Calibri"/>
-        <a:sym typeface="Calibri"/>
+        <a:latin typeface="+mj-lt"/>
+        <a:ea typeface="+mj-ea"/>
+        <a:cs typeface="+mj-cs"/>
+        <a:sym typeface="Helvetica Neue"/>
       </a:defRPr>
     </a:lvl8pPr>
-    <a:lvl9pPr indent="3227099" defTabSz="403387">
+    <a:lvl9pPr defTabSz="403387">
       <a:defRPr sz="1600">
-        <a:latin typeface="Calibri"/>
-        <a:ea typeface="Calibri"/>
-        <a:cs typeface="Calibri"/>
-        <a:sym typeface="Calibri"/>
+        <a:latin typeface="+mj-lt"/>
+        <a:ea typeface="+mj-ea"/>
+        <a:cs typeface="+mj-cs"/>
+        <a:sym typeface="Helvetica Neue"/>
       </a:defRPr>
     </a:lvl9pPr>
   </p:defaultTextStyle>
@@ -113,7 +113,7 @@
       </p:grpSpPr>
       <p:sp>
         <p:nvSpPr>
-          <p:cNvPr id="45" name="Shape 45"/>
+          <p:cNvPr id="41" name="Shape 41"/>
           <p:cNvSpPr/>
           <p:nvPr>
             <p:ph type="sldImg"/>
@@ -138,7 +138,7 @@
       </p:sp>
       <p:sp>
         <p:nvSpPr>
-          <p:cNvPr id="46" name="Shape 46"/>
+          <p:cNvPr id="42" name="Shape 42"/>
           <p:cNvSpPr/>
           <p:nvPr>
             <p:ph type="body" sz="quarter" idx="1"/>
@@ -170,9 +170,9 @@
         <a:spcPct val="117999"/>
       </a:lnSpc>
       <a:defRPr sz="2200">
-        <a:latin typeface="+mn-lt"/>
-        <a:ea typeface="+mn-ea"/>
-        <a:cs typeface="+mn-cs"/>
+        <a:latin typeface="+mj-lt"/>
+        <a:ea typeface="+mj-ea"/>
+        <a:cs typeface="+mj-cs"/>
         <a:sym typeface="Helvetica Neue"/>
       </a:defRPr>
     </a:lvl1pPr>
@@ -181,9 +181,9 @@
         <a:spcPct val="117999"/>
       </a:lnSpc>
       <a:defRPr sz="2200">
-        <a:latin typeface="+mn-lt"/>
-        <a:ea typeface="+mn-ea"/>
-        <a:cs typeface="+mn-cs"/>
+        <a:latin typeface="+mj-lt"/>
+        <a:ea typeface="+mj-ea"/>
+        <a:cs typeface="+mj-cs"/>
         <a:sym typeface="Helvetica Neue"/>
       </a:defRPr>
     </a:lvl2pPr>
@@ -192,9 +192,9 @@
         <a:spcPct val="117999"/>
       </a:lnSpc>
       <a:defRPr sz="2200">
-        <a:latin typeface="+mn-lt"/>
-        <a:ea typeface="+mn-ea"/>
-        <a:cs typeface="+mn-cs"/>
+        <a:latin typeface="+mj-lt"/>
+        <a:ea typeface="+mj-ea"/>
+        <a:cs typeface="+mj-cs"/>
         <a:sym typeface="Helvetica Neue"/>
       </a:defRPr>
     </a:lvl3pPr>
@@ -203,9 +203,9 @@
         <a:spcPct val="117999"/>
       </a:lnSpc>
       <a:defRPr sz="2200">
-        <a:latin typeface="+mn-lt"/>
-        <a:ea typeface="+mn-ea"/>
-        <a:cs typeface="+mn-cs"/>
+        <a:latin typeface="+mj-lt"/>
+        <a:ea typeface="+mj-ea"/>
+        <a:cs typeface="+mj-cs"/>
         <a:sym typeface="Helvetica Neue"/>
       </a:defRPr>
     </a:lvl4pPr>
@@ -214,9 +214,9 @@
         <a:spcPct val="117999"/>
       </a:lnSpc>
       <a:defRPr sz="2200">
-        <a:latin typeface="+mn-lt"/>
-        <a:ea typeface="+mn-ea"/>
-        <a:cs typeface="+mn-cs"/>
+        <a:latin typeface="+mj-lt"/>
+        <a:ea typeface="+mj-ea"/>
+        <a:cs typeface="+mj-cs"/>
         <a:sym typeface="Helvetica Neue"/>
       </a:defRPr>
     </a:lvl5pPr>
@@ -225,9 +225,9 @@
         <a:spcPct val="117999"/>
       </a:lnSpc>
       <a:defRPr sz="2200">
-        <a:latin typeface="+mn-lt"/>
-        <a:ea typeface="+mn-ea"/>
-        <a:cs typeface="+mn-cs"/>
+        <a:latin typeface="+mj-lt"/>
+        <a:ea typeface="+mj-ea"/>
+        <a:cs typeface="+mj-cs"/>
         <a:sym typeface="Helvetica Neue"/>
       </a:defRPr>
     </a:lvl6pPr>
@@ -236,9 +236,9 @@
         <a:spcPct val="117999"/>
       </a:lnSpc>
       <a:defRPr sz="2200">
-        <a:latin typeface="+mn-lt"/>
-        <a:ea typeface="+mn-ea"/>
-        <a:cs typeface="+mn-cs"/>
+        <a:latin typeface="+mj-lt"/>
+        <a:ea typeface="+mj-ea"/>
+        <a:cs typeface="+mj-cs"/>
         <a:sym typeface="Helvetica Neue"/>
       </a:defRPr>
     </a:lvl7pPr>
@@ -247,9 +247,9 @@
         <a:spcPct val="117999"/>
       </a:lnSpc>
       <a:defRPr sz="2200">
-        <a:latin typeface="+mn-lt"/>
-        <a:ea typeface="+mn-ea"/>
-        <a:cs typeface="+mn-cs"/>
+        <a:latin typeface="+mj-lt"/>
+        <a:ea typeface="+mj-ea"/>
+        <a:cs typeface="+mj-cs"/>
         <a:sym typeface="Helvetica Neue"/>
       </a:defRPr>
     </a:lvl8pPr>
@@ -258,9 +258,9 @@
         <a:spcPct val="117999"/>
       </a:lnSpc>
       <a:defRPr sz="2200">
-        <a:latin typeface="+mn-lt"/>
-        <a:ea typeface="+mn-ea"/>
-        <a:cs typeface="+mn-cs"/>
+        <a:latin typeface="+mj-lt"/>
+        <a:ea typeface="+mj-ea"/>
+        <a:cs typeface="+mj-cs"/>
         <a:sym typeface="Helvetica Neue"/>
       </a:defRPr>
     </a:lvl9pPr>
@@ -287,7 +287,7 @@
       </p:grpSpPr>
       <p:sp>
         <p:nvSpPr>
-          <p:cNvPr id="16" name="Shape 16"/>
+          <p:cNvPr id="12" name="Shape 12"/>
           <p:cNvSpPr/>
           <p:nvPr>
             <p:ph type="title"/>
@@ -322,7 +322,7 @@
       </p:sp>
       <p:sp>
         <p:nvSpPr>
-          <p:cNvPr id="17" name="Shape 17"/>
+          <p:cNvPr id="13" name="Shape 13"/>
           <p:cNvSpPr/>
           <p:nvPr>
             <p:ph type="body" idx="1"/>
@@ -383,7 +383,7 @@
       </p:grpSpPr>
       <p:sp>
         <p:nvSpPr>
-          <p:cNvPr id="19" name="Shape 19"/>
+          <p:cNvPr id="15" name="Shape 15"/>
           <p:cNvSpPr/>
           <p:nvPr/>
         </p:nvSpPr>
@@ -413,6 +413,10 @@
                 <a:solidFill>
                   <a:srgbClr val="FFFFFF"/>
                 </a:solidFill>
+                <a:latin typeface="Calibri"/>
+                <a:ea typeface="Calibri"/>
+                <a:cs typeface="Calibri"/>
+                <a:sym typeface="Calibri"/>
               </a:defRPr>
             </a:pPr>
           </a:p>
@@ -420,7 +424,7 @@
       </p:sp>
       <p:sp>
         <p:nvSpPr>
-          <p:cNvPr id="20" name="Shape 20"/>
+          <p:cNvPr id="16" name="Shape 16"/>
           <p:cNvSpPr/>
           <p:nvPr/>
         </p:nvSpPr>
@@ -497,6 +501,10 @@
                 <a:solidFill>
                   <a:srgbClr val="FFFFFF"/>
                 </a:solidFill>
+                <a:latin typeface="Calibri"/>
+                <a:ea typeface="Calibri"/>
+                <a:cs typeface="Calibri"/>
+                <a:sym typeface="Calibri"/>
               </a:defRPr>
             </a:pPr>
           </a:p>
@@ -504,14 +512,14 @@
       </p:sp>
       <p:sp>
         <p:nvSpPr>
-          <p:cNvPr id="21" name="Shape 21"/>
+          <p:cNvPr id="17" name="Shape 17"/>
           <p:cNvSpPr/>
           <p:nvPr/>
         </p:nvSpPr>
         <p:spPr>
           <a:xfrm>
-            <a:off x="5250722" y="82390"/>
-            <a:ext cx="1905009" cy="269240"/>
+            <a:off x="5250722" y="82389"/>
+            <a:ext cx="1905009" cy="269239"/>
           </a:xfrm>
           <a:prstGeom prst="rect">
             <a:avLst/>
@@ -526,7 +534,7 @@
           </a:extLst>
         </p:spPr>
         <p:txBody>
-          <a:bodyPr lIns="45719" rIns="45719">
+          <a:bodyPr lIns="45718" tIns="45718" rIns="45718" bIns="45718">
             <a:spAutoFit/>
           </a:bodyPr>
           <a:lstStyle/>
@@ -575,7 +583,7 @@
       </p:sp>
       <p:pic>
         <p:nvPicPr>
-          <p:cNvPr id="22" name="image1.png" descr="Agile-Moves_neu.png"/>
+          <p:cNvPr id="18" name="image1.png" descr="Agile-Moves_neu.png"/>
           <p:cNvPicPr/>
           <p:nvPr/>
         </p:nvPicPr>
@@ -591,7 +599,7 @@
         <p:spPr>
           <a:xfrm>
             <a:off x="218217" y="589975"/>
-            <a:ext cx="886756" cy="808934"/>
+            <a:ext cx="886757" cy="808934"/>
           </a:xfrm>
           <a:prstGeom prst="rect">
             <a:avLst/>
@@ -603,7 +611,7 @@
       </p:pic>
       <p:sp>
         <p:nvSpPr>
-          <p:cNvPr id="23" name="Shape 23"/>
+          <p:cNvPr id="19" name="Shape 19"/>
           <p:cNvSpPr/>
           <p:nvPr/>
         </p:nvSpPr>
@@ -628,6 +636,10 @@
                 <a:solidFill>
                   <a:srgbClr val="FFFFFF"/>
                 </a:solidFill>
+                <a:latin typeface="Calibri"/>
+                <a:ea typeface="Calibri"/>
+                <a:cs typeface="Calibri"/>
+                <a:sym typeface="Calibri"/>
               </a:defRPr>
             </a:pPr>
           </a:p>
@@ -635,7 +647,7 @@
       </p:sp>
       <p:sp>
         <p:nvSpPr>
-          <p:cNvPr id="24" name="Shape 24"/>
+          <p:cNvPr id="20" name="Shape 20"/>
           <p:cNvSpPr/>
           <p:nvPr>
             <p:ph type="body" idx="1"/>
@@ -644,7 +656,7 @@
         <p:spPr>
           <a:xfrm>
             <a:off x="858837" y="1555750"/>
-            <a:ext cx="6011547" cy="3765550"/>
+            <a:ext cx="6011548" cy="3765550"/>
           </a:xfrm>
           <a:prstGeom prst="rect">
             <a:avLst/>
@@ -848,14 +860,14 @@
       </p:sp>
       <p:sp>
         <p:nvSpPr>
-          <p:cNvPr id="25" name="Shape 25"/>
+          <p:cNvPr id="21" name="Shape 21"/>
           <p:cNvSpPr/>
           <p:nvPr/>
         </p:nvSpPr>
         <p:spPr>
           <a:xfrm>
-            <a:off x="1174412" y="860490"/>
-            <a:ext cx="3673459" cy="510541"/>
+            <a:off x="1174411" y="860490"/>
+            <a:ext cx="3673461" cy="510539"/>
           </a:xfrm>
           <a:prstGeom prst="rect">
             <a:avLst/>
@@ -870,7 +882,7 @@
           </a:extLst>
         </p:spPr>
         <p:txBody>
-          <a:bodyPr lIns="45719" rIns="45719">
+          <a:bodyPr lIns="45718" tIns="45718" rIns="45718" bIns="45718">
             <a:spAutoFit/>
           </a:bodyPr>
           <a:lstStyle/>
@@ -907,7 +919,7 @@
       </p:sp>
       <p:pic>
         <p:nvPicPr>
-          <p:cNvPr id="26" name="image3.png" descr="apprentice.pdf"/>
+          <p:cNvPr id="22" name="image6.png" descr="apprentice.pdf"/>
           <p:cNvPicPr/>
           <p:nvPr/>
         </p:nvPicPr>
@@ -922,7 +934,7 @@
         <p:spPr>
           <a:xfrm>
             <a:off x="5952390" y="3775152"/>
-            <a:ext cx="939801" cy="914401"/>
+            <a:ext cx="939802" cy="914402"/>
           </a:xfrm>
           <a:prstGeom prst="rect">
             <a:avLst/>
@@ -960,7 +972,7 @@
       </p:grpSpPr>
       <p:sp>
         <p:nvSpPr>
-          <p:cNvPr id="28" name="Shape 28"/>
+          <p:cNvPr id="24" name="Shape 24"/>
           <p:cNvSpPr/>
           <p:nvPr/>
         </p:nvSpPr>
@@ -990,6 +1002,10 @@
                 <a:solidFill>
                   <a:srgbClr val="FFFFFF"/>
                 </a:solidFill>
+                <a:latin typeface="Calibri"/>
+                <a:ea typeface="Calibri"/>
+                <a:cs typeface="Calibri"/>
+                <a:sym typeface="Calibri"/>
               </a:defRPr>
             </a:pPr>
           </a:p>
@@ -997,7 +1013,7 @@
       </p:sp>
       <p:sp>
         <p:nvSpPr>
-          <p:cNvPr id="29" name="Shape 29"/>
+          <p:cNvPr id="25" name="Shape 25"/>
           <p:cNvSpPr/>
           <p:nvPr/>
         </p:nvSpPr>
@@ -1074,6 +1090,10 @@
                 <a:solidFill>
                   <a:srgbClr val="FFFFFF"/>
                 </a:solidFill>
+                <a:latin typeface="Calibri"/>
+                <a:ea typeface="Calibri"/>
+                <a:cs typeface="Calibri"/>
+                <a:sym typeface="Calibri"/>
               </a:defRPr>
             </a:pPr>
           </a:p>
@@ -1081,14 +1101,14 @@
       </p:sp>
       <p:sp>
         <p:nvSpPr>
-          <p:cNvPr id="30" name="Shape 30"/>
+          <p:cNvPr id="26" name="Shape 26"/>
           <p:cNvSpPr/>
           <p:nvPr/>
         </p:nvSpPr>
         <p:spPr>
           <a:xfrm>
-            <a:off x="5250722" y="82390"/>
-            <a:ext cx="1905009" cy="269240"/>
+            <a:off x="5250722" y="82389"/>
+            <a:ext cx="1905009" cy="269239"/>
           </a:xfrm>
           <a:prstGeom prst="rect">
             <a:avLst/>
@@ -1103,7 +1123,7 @@
           </a:extLst>
         </p:spPr>
         <p:txBody>
-          <a:bodyPr lIns="45719" rIns="45719">
+          <a:bodyPr lIns="45718" tIns="45718" rIns="45718" bIns="45718">
             <a:spAutoFit/>
           </a:bodyPr>
           <a:lstStyle/>
@@ -1152,7 +1172,7 @@
       </p:sp>
       <p:pic>
         <p:nvPicPr>
-          <p:cNvPr id="31" name="image1.png" descr="Agile-Moves_neu.png"/>
+          <p:cNvPr id="27" name="image1.png" descr="Agile-Moves_neu.png"/>
           <p:cNvPicPr/>
           <p:nvPr/>
         </p:nvPicPr>
@@ -1168,7 +1188,7 @@
         <p:spPr>
           <a:xfrm>
             <a:off x="218217" y="589975"/>
-            <a:ext cx="886756" cy="808934"/>
+            <a:ext cx="886757" cy="808934"/>
           </a:xfrm>
           <a:prstGeom prst="rect">
             <a:avLst/>
@@ -1180,7 +1200,7 @@
       </p:pic>
       <p:sp>
         <p:nvSpPr>
-          <p:cNvPr id="32" name="Shape 32"/>
+          <p:cNvPr id="28" name="Shape 28"/>
           <p:cNvSpPr/>
           <p:nvPr/>
         </p:nvSpPr>
@@ -1205,6 +1225,10 @@
                 <a:solidFill>
                   <a:srgbClr val="FFFFFF"/>
                 </a:solidFill>
+                <a:latin typeface="Calibri"/>
+                <a:ea typeface="Calibri"/>
+                <a:cs typeface="Calibri"/>
+                <a:sym typeface="Calibri"/>
               </a:defRPr>
             </a:pPr>
           </a:p>
@@ -1212,7 +1236,7 @@
       </p:sp>
       <p:sp>
         <p:nvSpPr>
-          <p:cNvPr id="33" name="Shape 33"/>
+          <p:cNvPr id="29" name="Shape 29"/>
           <p:cNvSpPr/>
           <p:nvPr>
             <p:ph type="body" idx="1"/>
@@ -1221,7 +1245,7 @@
         <p:spPr>
           <a:xfrm>
             <a:off x="858837" y="1555750"/>
-            <a:ext cx="6011547" cy="3765550"/>
+            <a:ext cx="6011548" cy="3765550"/>
           </a:xfrm>
           <a:prstGeom prst="rect">
             <a:avLst/>
@@ -1425,14 +1449,14 @@
       </p:sp>
       <p:sp>
         <p:nvSpPr>
-          <p:cNvPr id="34" name="Shape 34"/>
+          <p:cNvPr id="30" name="Shape 30"/>
           <p:cNvSpPr/>
           <p:nvPr/>
         </p:nvSpPr>
         <p:spPr>
           <a:xfrm>
-            <a:off x="1174412" y="860490"/>
-            <a:ext cx="3673459" cy="510541"/>
+            <a:off x="1174411" y="860490"/>
+            <a:ext cx="3673461" cy="510539"/>
           </a:xfrm>
           <a:prstGeom prst="rect">
             <a:avLst/>
@@ -1447,7 +1471,7 @@
           </a:extLst>
         </p:spPr>
         <p:txBody>
-          <a:bodyPr lIns="45719" rIns="45719">
+          <a:bodyPr lIns="45718" tIns="45718" rIns="45718" bIns="45718">
             <a:spAutoFit/>
           </a:bodyPr>
           <a:lstStyle/>
@@ -1484,7 +1508,7 @@
       </p:sp>
       <p:pic>
         <p:nvPicPr>
-          <p:cNvPr id="35" name="image4.png" descr="am_journeyman_icon.png"/>
+          <p:cNvPr id="31" name="image7.png" descr="am_journeyman_icon.png"/>
           <p:cNvPicPr/>
           <p:nvPr/>
         </p:nvPicPr>
@@ -1498,8 +1522,8 @@
         </p:blipFill>
         <p:spPr>
           <a:xfrm>
-            <a:off x="5965126" y="3793473"/>
-            <a:ext cx="905257" cy="896113"/>
+            <a:off x="5965125" y="3793473"/>
+            <a:ext cx="905258" cy="896114"/>
           </a:xfrm>
           <a:prstGeom prst="rect">
             <a:avLst/>
@@ -1537,7 +1561,7 @@
       </p:grpSpPr>
       <p:sp>
         <p:nvSpPr>
-          <p:cNvPr id="37" name="Shape 37"/>
+          <p:cNvPr id="33" name="Shape 33"/>
           <p:cNvSpPr/>
           <p:nvPr/>
         </p:nvSpPr>
@@ -1567,6 +1591,10 @@
                 <a:solidFill>
                   <a:srgbClr val="FFFFFF"/>
                 </a:solidFill>
+                <a:latin typeface="Calibri"/>
+                <a:ea typeface="Calibri"/>
+                <a:cs typeface="Calibri"/>
+                <a:sym typeface="Calibri"/>
               </a:defRPr>
             </a:pPr>
           </a:p>
@@ -1574,7 +1602,7 @@
       </p:sp>
       <p:sp>
         <p:nvSpPr>
-          <p:cNvPr id="38" name="Shape 38"/>
+          <p:cNvPr id="34" name="Shape 34"/>
           <p:cNvSpPr/>
           <p:nvPr/>
         </p:nvSpPr>
@@ -1651,6 +1679,10 @@
                 <a:solidFill>
                   <a:srgbClr val="FFFFFF"/>
                 </a:solidFill>
+                <a:latin typeface="Calibri"/>
+                <a:ea typeface="Calibri"/>
+                <a:cs typeface="Calibri"/>
+                <a:sym typeface="Calibri"/>
               </a:defRPr>
             </a:pPr>
           </a:p>
@@ -1658,14 +1690,14 @@
       </p:sp>
       <p:sp>
         <p:nvSpPr>
-          <p:cNvPr id="39" name="Shape 39"/>
+          <p:cNvPr id="35" name="Shape 35"/>
           <p:cNvSpPr/>
           <p:nvPr/>
         </p:nvSpPr>
         <p:spPr>
           <a:xfrm>
-            <a:off x="5250722" y="82390"/>
-            <a:ext cx="1905009" cy="269240"/>
+            <a:off x="5250722" y="82389"/>
+            <a:ext cx="1905009" cy="269239"/>
           </a:xfrm>
           <a:prstGeom prst="rect">
             <a:avLst/>
@@ -1680,7 +1712,7 @@
           </a:extLst>
         </p:spPr>
         <p:txBody>
-          <a:bodyPr lIns="45719" rIns="45719">
+          <a:bodyPr lIns="45718" tIns="45718" rIns="45718" bIns="45718">
             <a:spAutoFit/>
           </a:bodyPr>
           <a:lstStyle/>
@@ -1729,7 +1761,7 @@
       </p:sp>
       <p:pic>
         <p:nvPicPr>
-          <p:cNvPr id="40" name="image1.png" descr="Agile-Moves_neu.png"/>
+          <p:cNvPr id="36" name="image1.png" descr="Agile-Moves_neu.png"/>
           <p:cNvPicPr/>
           <p:nvPr/>
         </p:nvPicPr>
@@ -1745,7 +1777,7 @@
         <p:spPr>
           <a:xfrm>
             <a:off x="218217" y="589975"/>
-            <a:ext cx="886756" cy="808934"/>
+            <a:ext cx="886757" cy="808934"/>
           </a:xfrm>
           <a:prstGeom prst="rect">
             <a:avLst/>
@@ -1757,7 +1789,7 @@
       </p:pic>
       <p:sp>
         <p:nvSpPr>
-          <p:cNvPr id="41" name="Shape 41"/>
+          <p:cNvPr id="37" name="Shape 37"/>
           <p:cNvSpPr/>
           <p:nvPr/>
         </p:nvSpPr>
@@ -1782,6 +1814,10 @@
                 <a:solidFill>
                   <a:srgbClr val="FFFFFF"/>
                 </a:solidFill>
+                <a:latin typeface="Calibri"/>
+                <a:ea typeface="Calibri"/>
+                <a:cs typeface="Calibri"/>
+                <a:sym typeface="Calibri"/>
               </a:defRPr>
             </a:pPr>
           </a:p>
@@ -1789,7 +1825,7 @@
       </p:sp>
       <p:sp>
         <p:nvSpPr>
-          <p:cNvPr id="42" name="Shape 42"/>
+          <p:cNvPr id="38" name="Shape 38"/>
           <p:cNvSpPr/>
           <p:nvPr>
             <p:ph type="body" idx="1"/>
@@ -1798,7 +1834,7 @@
         <p:spPr>
           <a:xfrm>
             <a:off x="858837" y="1555750"/>
-            <a:ext cx="6011547" cy="3765550"/>
+            <a:ext cx="6011548" cy="3765550"/>
           </a:xfrm>
           <a:prstGeom prst="rect">
             <a:avLst/>
@@ -2002,14 +2038,14 @@
       </p:sp>
       <p:sp>
         <p:nvSpPr>
-          <p:cNvPr id="43" name="Shape 43"/>
+          <p:cNvPr id="39" name="Shape 39"/>
           <p:cNvSpPr/>
           <p:nvPr/>
         </p:nvSpPr>
         <p:spPr>
           <a:xfrm>
-            <a:off x="1174412" y="860490"/>
-            <a:ext cx="3673459" cy="510541"/>
+            <a:off x="1174411" y="860490"/>
+            <a:ext cx="3673461" cy="510539"/>
           </a:xfrm>
           <a:prstGeom prst="rect">
             <a:avLst/>
@@ -2024,7 +2060,7 @@
           </a:extLst>
         </p:spPr>
         <p:txBody>
-          <a:bodyPr lIns="45719" rIns="45719">
+          <a:bodyPr lIns="45718" tIns="45718" rIns="45718" bIns="45718">
             <a:spAutoFit/>
           </a:bodyPr>
           <a:lstStyle/>
@@ -2061,7 +2097,7 @@
       </p:sp>
       <p:pic>
         <p:nvPicPr>
-          <p:cNvPr id="44" name="image5.png" descr="am_Icon_master.pdf"/>
+          <p:cNvPr id="40" name="image8.png" descr="am_Icon_master.pdf"/>
           <p:cNvPicPr/>
           <p:nvPr/>
         </p:nvPicPr>
@@ -2076,7 +2112,7 @@
         <p:spPr>
           <a:xfrm>
             <a:off x="5943282" y="3737085"/>
-            <a:ext cx="927101" cy="952501"/>
+            <a:ext cx="927102" cy="952502"/>
           </a:xfrm>
           <a:prstGeom prst="rect">
             <a:avLst/>
@@ -2151,6 +2187,10 @@
                 <a:solidFill>
                   <a:srgbClr val="FFFFFF"/>
                 </a:solidFill>
+                <a:latin typeface="Calibri"/>
+                <a:ea typeface="Calibri"/>
+                <a:cs typeface="Calibri"/>
+                <a:sym typeface="Calibri"/>
               </a:defRPr>
             </a:pPr>
           </a:p>
@@ -2235,6 +2275,10 @@
                 <a:solidFill>
                   <a:srgbClr val="FFFFFF"/>
                 </a:solidFill>
+                <a:latin typeface="Calibri"/>
+                <a:ea typeface="Calibri"/>
+                <a:cs typeface="Calibri"/>
+                <a:sym typeface="Calibri"/>
               </a:defRPr>
             </a:pPr>
           </a:p>
@@ -2248,8 +2292,8 @@
         </p:nvSpPr>
         <p:spPr>
           <a:xfrm>
-            <a:off x="5250722" y="82390"/>
-            <a:ext cx="1905009" cy="269240"/>
+            <a:off x="5250722" y="82389"/>
+            <a:ext cx="1905009" cy="269239"/>
           </a:xfrm>
           <a:prstGeom prst="rect">
             <a:avLst/>
@@ -2264,7 +2308,7 @@
           </a:extLst>
         </p:spPr>
         <p:txBody>
-          <a:bodyPr lIns="45719" rIns="45719">
+          <a:bodyPr lIns="45718" tIns="45718" rIns="45718" bIns="45718">
             <a:spAutoFit/>
           </a:bodyPr>
           <a:lstStyle/>
@@ -2329,7 +2373,7 @@
         <p:spPr>
           <a:xfrm>
             <a:off x="218217" y="589975"/>
-            <a:ext cx="886756" cy="808934"/>
+            <a:ext cx="886757" cy="808934"/>
           </a:xfrm>
           <a:prstGeom prst="rect">
             <a:avLst/>
@@ -2366,6 +2410,10 @@
                 <a:solidFill>
                   <a:srgbClr val="FFFFFF"/>
                 </a:solidFill>
+                <a:latin typeface="Calibri"/>
+                <a:ea typeface="Calibri"/>
+                <a:cs typeface="Calibri"/>
+                <a:sym typeface="Calibri"/>
               </a:defRPr>
             </a:pPr>
           </a:p>
@@ -2375,14 +2423,12 @@
         <p:nvSpPr>
           <p:cNvPr id="7" name="Shape 7"/>
           <p:cNvSpPr/>
-          <p:nvPr>
-            <p:ph type="title"/>
-          </p:nvPr>
+          <p:nvPr/>
         </p:nvSpPr>
         <p:spPr>
           <a:xfrm>
-            <a:off x="1166812" y="674138"/>
-            <a:ext cx="4612408" cy="461666"/>
+            <a:off x="1790352" y="4952581"/>
+            <a:ext cx="3823764" cy="294639"/>
           </a:xfrm>
           <a:prstGeom prst="rect">
             <a:avLst/>
@@ -2397,23 +2443,61 @@
           </a:extLst>
         </p:spPr>
         <p:txBody>
-          <a:bodyPr lIns="45719" rIns="45719"/>
+          <a:bodyPr wrap="none" lIns="45718" tIns="45718" rIns="45718" bIns="45718">
+            <a:spAutoFit/>
+          </a:bodyPr>
           <a:lstStyle/>
           <a:p>
-            <a:pPr lvl="0">
-              <a:defRPr b="0" cap="none" sz="1800">
-                <a:solidFill>
-                  <a:srgbClr val="000000"/>
-                </a:solidFill>
-              </a:defRPr>
+            <a:pPr lvl="0" algn="ctr">
+              <a:defRPr sz="1800"/>
             </a:pPr>
             <a:r>
-              <a:rPr b="1" cap="all" sz="2400">
-                <a:solidFill>
-                  <a:srgbClr val="1191D1"/>
-                </a:solidFill>
+              <a:rPr sz="600">
+                <a:latin typeface="Calibri"/>
+                <a:ea typeface="Calibri"/>
+                <a:cs typeface="Calibri"/>
+                <a:sym typeface="Calibri"/>
               </a:rPr>
-              <a:t>Mastertitelformat bearbeiten</a:t>
+              <a:t>This work is licensed under the Creative Commons Attribution-NonCommercial-NoDerivatives 4.0 International License. </a:t>
+            </a:r>
+            <a:endParaRPr sz="600">
+              <a:latin typeface="Calibri"/>
+              <a:ea typeface="Calibri"/>
+              <a:cs typeface="Calibri"/>
+              <a:sym typeface="Calibri"/>
+            </a:endParaRPr>
+          </a:p>
+          <a:p>
+            <a:pPr lvl="0" algn="ctr">
+              <a:defRPr sz="1800"/>
+            </a:pPr>
+            <a:r>
+              <a:rPr sz="600">
+                <a:latin typeface="Calibri"/>
+                <a:ea typeface="Calibri"/>
+                <a:cs typeface="Calibri"/>
+                <a:sym typeface="Calibri"/>
+              </a:rPr>
+              <a:t>To view a copy of this license, visit </a:t>
+            </a:r>
+            <a:r>
+              <a:rPr sz="600">
+                <a:latin typeface="Calibri"/>
+                <a:ea typeface="Calibri"/>
+                <a:cs typeface="Calibri"/>
+                <a:sym typeface="Calibri"/>
+                <a:hlinkClick r:id="rId3" invalidUrl="" action="" tgtFrame="" tooltip="" history="1" highlightClick="0" endSnd="0"/>
+              </a:rPr>
+              <a:t>http://creativecommons.org/licenses/by-nc-nd/4.0/</a:t>
+            </a:r>
+            <a:r>
+              <a:rPr sz="600">
+                <a:latin typeface="Calibri"/>
+                <a:ea typeface="Calibri"/>
+                <a:cs typeface="Calibri"/>
+                <a:sym typeface="Calibri"/>
+              </a:rPr>
+              <a:t>.</a:t>
             </a:r>
           </a:p>
         </p:txBody>
@@ -2423,13 +2507,13 @@
           <p:cNvPr id="8" name="Shape 8"/>
           <p:cNvSpPr/>
           <p:nvPr>
-            <p:ph type="body" idx="1"/>
+            <p:ph type="title"/>
           </p:nvPr>
         </p:nvSpPr>
         <p:spPr>
           <a:xfrm>
-            <a:off x="1166812" y="973846"/>
-            <a:ext cx="5293997" cy="462330"/>
+            <a:off x="1166812" y="674138"/>
+            <a:ext cx="4612409" cy="461667"/>
           </a:xfrm>
           <a:prstGeom prst="rect">
             <a:avLst/>
@@ -2444,25 +2528,23 @@
           </a:extLst>
         </p:spPr>
         <p:txBody>
-          <a:bodyPr lIns="40338" tIns="40338" rIns="40338" bIns="40338">
-            <a:normAutofit fontScale="100000" lnSpcReduction="0"/>
-          </a:bodyPr>
+          <a:bodyPr lIns="45718" tIns="45718" rIns="45718" bIns="45718"/>
           <a:lstStyle/>
           <a:p>
             <a:pPr lvl="0">
-              <a:defRPr cap="none" sz="1800">
+              <a:defRPr b="0" cap="none" sz="1800">
                 <a:solidFill>
                   <a:srgbClr val="000000"/>
                 </a:solidFill>
               </a:defRPr>
             </a:pPr>
             <a:r>
-              <a:rPr cap="all" sz="1000">
-                <a:solidFill>
-                  <a:srgbClr val="5D5E5F"/>
+              <a:rPr b="1" cap="all" sz="2400">
+                <a:solidFill>
+                  <a:srgbClr val="1191D1"/>
                 </a:solidFill>
               </a:rPr>
-              <a:t>Master-Untertitelformat bearbeiten</a:t>
+              <a:t>Mastertitelformat bearbeiten</a:t>
             </a:r>
           </a:p>
         </p:txBody>
@@ -2471,12 +2553,14 @@
         <p:nvSpPr>
           <p:cNvPr id="9" name="Shape 9"/>
           <p:cNvSpPr/>
-          <p:nvPr/>
+          <p:nvPr>
+            <p:ph type="body" idx="1"/>
+          </p:nvPr>
         </p:nvSpPr>
         <p:spPr>
           <a:xfrm>
-            <a:off x="1790353" y="4952582"/>
-            <a:ext cx="3823765" cy="294641"/>
+            <a:off x="1166812" y="973845"/>
+            <a:ext cx="5293998" cy="462332"/>
           </a:xfrm>
           <a:prstGeom prst="rect">
             <a:avLst/>
@@ -2491,45 +2575,25 @@
           </a:extLst>
         </p:spPr>
         <p:txBody>
-          <a:bodyPr wrap="none" lIns="45719" rIns="45719">
-            <a:spAutoFit/>
+          <a:bodyPr lIns="40337" tIns="40337" rIns="40337" bIns="40337">
+            <a:normAutofit fontScale="100000" lnSpcReduction="0"/>
           </a:bodyPr>
           <a:lstStyle/>
           <a:p>
-            <a:pPr lvl="0" algn="ctr">
-              <a:defRPr sz="1800"/>
+            <a:pPr lvl="0">
+              <a:defRPr cap="none" sz="1800">
+                <a:solidFill>
+                  <a:srgbClr val="000000"/>
+                </a:solidFill>
+              </a:defRPr>
             </a:pPr>
             <a:r>
-              <a:rPr sz="600"/>
-              <a:t>This work is licensed under the Creative Commons Attribution-NonCommercial-NoDerivatives 4.0 International License. </a:t>
-            </a:r>
-            <a:endParaRPr sz="600"/>
-          </a:p>
-          <a:p>
-            <a:pPr lvl="0" algn="ctr">
-              <a:defRPr sz="1800"/>
-            </a:pPr>
-            <a:r>
-              <a:rPr sz="600"/>
-              <a:t>To view a copy of this license, visit </a:t>
-            </a:r>
-            <a:r>
-              <a:rPr sz="600" u="sng">
-                <a:solidFill>
-                  <a:srgbClr val="0000FF"/>
-                </a:solidFill>
-                <a:uFill>
-                  <a:solidFill>
-                    <a:srgbClr val="0000FF"/>
-                  </a:solidFill>
-                </a:uFill>
-                <a:hlinkClick r:id="rId3" invalidUrl="" action="" tgtFrame="" tooltip="" history="1" highlightClick="0" endSnd="0"/>
+              <a:rPr cap="all" sz="1000">
+                <a:solidFill>
+                  <a:srgbClr val="5D5E5F"/>
+                </a:solidFill>
               </a:rPr>
-              <a:t>http://creativecommons.org/licenses/by-nc-nd/4.0/</a:t>
-            </a:r>
-            <a:r>
-              <a:rPr sz="600"/>
-              <a:t>.</a:t>
+              <a:t>Master-Untertitelformat bearbeiten</a:t>
             </a:r>
           </a:p>
         </p:txBody>
@@ -2550,8 +2614,8 @@
         </p:blipFill>
         <p:spPr>
           <a:xfrm>
-            <a:off x="5992787" y="4952582"/>
-            <a:ext cx="234262" cy="234262"/>
+            <a:off x="6174185" y="4992838"/>
+            <a:ext cx="886619" cy="214128"/>
           </a:xfrm>
           <a:prstGeom prst="rect">
             <a:avLst/>
@@ -2561,116 +2625,14 @@
           </a:ln>
         </p:spPr>
       </p:pic>
-      <p:grpSp>
-        <p:nvGrpSpPr>
-          <p:cNvPr id="14" name="Group 14"/>
-          <p:cNvGrpSpPr/>
-          <p:nvPr/>
-        </p:nvGrpSpPr>
-        <p:grpSpPr>
-          <a:xfrm>
-            <a:off x="6238302" y="4962599"/>
-            <a:ext cx="650095" cy="214228"/>
-            <a:chOff x="0" y="0"/>
-            <a:chExt cx="650093" cy="214227"/>
-          </a:xfrm>
-        </p:grpSpPr>
-        <p:pic>
-          <p:nvPicPr>
-            <p:cNvPr id="11" name="by.large.png"/>
-            <p:cNvPicPr/>
-            <p:nvPr/>
-          </p:nvPicPr>
-          <p:blipFill>
-            <a:blip r:embed="rId5">
-              <a:extLst/>
-            </a:blip>
-            <a:stretch>
-              <a:fillRect/>
-            </a:stretch>
-          </p:blipFill>
-          <p:spPr>
-            <a:xfrm>
-              <a:off x="0" y="67"/>
-              <a:ext cx="214160" cy="214161"/>
-            </a:xfrm>
-            <a:prstGeom prst="rect">
-              <a:avLst/>
-            </a:prstGeom>
-            <a:ln w="12700" cap="flat">
-              <a:noFill/>
-              <a:miter lim="400000"/>
-            </a:ln>
-            <a:effectLst/>
-          </p:spPr>
-        </p:pic>
-        <p:pic>
-          <p:nvPicPr>
-            <p:cNvPr id="12" name="nc.large.png"/>
-            <p:cNvPicPr/>
-            <p:nvPr/>
-          </p:nvPicPr>
-          <p:blipFill>
-            <a:blip r:embed="rId6">
-              <a:extLst/>
-            </a:blip>
-            <a:stretch>
-              <a:fillRect/>
-            </a:stretch>
-          </p:blipFill>
-          <p:spPr>
-            <a:xfrm>
-              <a:off x="435933" y="0"/>
-              <a:ext cx="214161" cy="214160"/>
-            </a:xfrm>
-            <a:prstGeom prst="rect">
-              <a:avLst/>
-            </a:prstGeom>
-            <a:ln w="12700" cap="flat">
-              <a:noFill/>
-              <a:miter lim="400000"/>
-            </a:ln>
-            <a:effectLst/>
-          </p:spPr>
-        </p:pic>
-        <p:pic>
-          <p:nvPicPr>
-            <p:cNvPr id="13" name="nd.large.png"/>
-            <p:cNvPicPr/>
-            <p:nvPr/>
-          </p:nvPicPr>
-          <p:blipFill>
-            <a:blip r:embed="rId7">
-              <a:extLst/>
-            </a:blip>
-            <a:stretch>
-              <a:fillRect/>
-            </a:stretch>
-          </p:blipFill>
-          <p:spPr>
-            <a:xfrm>
-              <a:off x="217966" y="67"/>
-              <a:ext cx="214161" cy="214161"/>
-            </a:xfrm>
-            <a:prstGeom prst="rect">
-              <a:avLst/>
-            </a:prstGeom>
-            <a:ln w="12700" cap="flat">
-              <a:noFill/>
-              <a:miter lim="400000"/>
-            </a:ln>
-            <a:effectLst/>
-          </p:spPr>
-        </p:pic>
-      </p:grpSp>
     </p:spTree>
   </p:cSld>
   <p:clrMap bg1="lt1" tx1="dk1" bg2="lt2" tx2="dk2" accent1="accent1" accent2="accent2" accent3="accent3" accent4="accent4" accent5="accent5" accent6="accent6" hlink="hlink" folHlink="folHlink"/>
   <p:sldLayoutIdLst>
-    <p:sldLayoutId id="2147483649" r:id="rId8"/>
-    <p:sldLayoutId id="2147483650" r:id="rId9"/>
-    <p:sldLayoutId id="2147483651" r:id="rId10"/>
-    <p:sldLayoutId id="2147483652" r:id="rId11"/>
+    <p:sldLayoutId id="2147483649" r:id="rId5"/>
+    <p:sldLayoutId id="2147483650" r:id="rId6"/>
+    <p:sldLayoutId id="2147483651" r:id="rId7"/>
+    <p:sldLayoutId id="2147483652" r:id="rId8"/>
   </p:sldLayoutIdLst>
   <p:transition spd="med" advClick="1"/>
   <p:txStyles>
@@ -2796,7 +2758,7 @@
         </a:lnSpc>
         <a:buSzPct val="190000"/>
         <a:buBlip>
-          <a:blip r:embed="rId12"/>
+          <a:blip r:embed="rId9"/>
         </a:buBlip>
         <a:defRPr cap="all" sz="1000">
           <a:solidFill>
@@ -2808,13 +2770,13 @@
           <a:sym typeface="Avenir Book"/>
         </a:defRPr>
       </a:lvl2pPr>
-      <a:lvl3pPr marL="1008468" indent="-201693" defTabSz="403387">
+      <a:lvl3pPr marL="1008467" indent="-201693" defTabSz="403387">
         <a:lnSpc>
           <a:spcPct val="150000"/>
         </a:lnSpc>
         <a:buSzPct val="190000"/>
         <a:buBlip>
-          <a:blip r:embed="rId12"/>
+          <a:blip r:embed="rId9"/>
         </a:buBlip>
         <a:defRPr cap="all" sz="1000">
           <a:solidFill>
@@ -2832,7 +2794,7 @@
         </a:lnSpc>
         <a:buSzPct val="190000"/>
         <a:buBlip>
-          <a:blip r:embed="rId12"/>
+          <a:blip r:embed="rId9"/>
         </a:buBlip>
         <a:defRPr cap="all" sz="1000">
           <a:solidFill>
@@ -2850,7 +2812,7 @@
         </a:lnSpc>
         <a:buSzPct val="190000"/>
         <a:buBlip>
-          <a:blip r:embed="rId12"/>
+          <a:blip r:embed="rId9"/>
         </a:buBlip>
         <a:defRPr cap="all" sz="1000">
           <a:solidFill>
@@ -2894,7 +2856,7 @@
           <a:sym typeface="Avenir Book"/>
         </a:defRPr>
       </a:lvl7pPr>
-      <a:lvl8pPr marL="2935765" indent="-112052" defTabSz="403387">
+      <a:lvl8pPr marL="2935764" indent="-112052" defTabSz="403387">
         <a:lnSpc>
           <a:spcPct val="150000"/>
         </a:lnSpc>
@@ -2910,7 +2872,7 @@
           <a:sym typeface="Avenir Book"/>
         </a:defRPr>
       </a:lvl8pPr>
-      <a:lvl9pPr marL="3339151" indent="-112052" defTabSz="403387">
+      <a:lvl9pPr marL="3339150" indent="-112052" defTabSz="403387">
         <a:lnSpc>
           <a:spcPct val="150000"/>
         </a:lnSpc>
@@ -2929,7 +2891,7 @@
     </p:bodyStyle>
     <p:otherStyle>
       <a:lvl1pPr algn="r" defTabSz="403387">
-        <a:defRPr sz="1100">
+        <a:defRPr sz="1200">
           <a:solidFill>
             <a:schemeClr val="tx1"/>
           </a:solidFill>
@@ -2939,8 +2901,8 @@
           <a:sym typeface="Calibri"/>
         </a:defRPr>
       </a:lvl1pPr>
-      <a:lvl2pPr indent="403387" algn="r" defTabSz="403387">
-        <a:defRPr sz="1100">
+      <a:lvl2pPr algn="r" defTabSz="403387">
+        <a:defRPr sz="1200">
           <a:solidFill>
             <a:schemeClr val="tx1"/>
           </a:solidFill>
@@ -2950,8 +2912,8 @@
           <a:sym typeface="Calibri"/>
         </a:defRPr>
       </a:lvl2pPr>
-      <a:lvl3pPr indent="806774" algn="r" defTabSz="403387">
-        <a:defRPr sz="1100">
+      <a:lvl3pPr algn="r" defTabSz="403387">
+        <a:defRPr sz="1200">
           <a:solidFill>
             <a:schemeClr val="tx1"/>
           </a:solidFill>
@@ -2961,8 +2923,8 @@
           <a:sym typeface="Calibri"/>
         </a:defRPr>
       </a:lvl3pPr>
-      <a:lvl4pPr indent="1210162" algn="r" defTabSz="403387">
-        <a:defRPr sz="1100">
+      <a:lvl4pPr algn="r" defTabSz="403387">
+        <a:defRPr sz="1200">
           <a:solidFill>
             <a:schemeClr val="tx1"/>
           </a:solidFill>
@@ -2972,8 +2934,8 @@
           <a:sym typeface="Calibri"/>
         </a:defRPr>
       </a:lvl4pPr>
-      <a:lvl5pPr indent="1613549" algn="r" defTabSz="403387">
-        <a:defRPr sz="1100">
+      <a:lvl5pPr algn="r" defTabSz="403387">
+        <a:defRPr sz="1200">
           <a:solidFill>
             <a:schemeClr val="tx1"/>
           </a:solidFill>
@@ -2983,8 +2945,8 @@
           <a:sym typeface="Calibri"/>
         </a:defRPr>
       </a:lvl5pPr>
-      <a:lvl6pPr indent="2016937" algn="r" defTabSz="403387">
-        <a:defRPr sz="1100">
+      <a:lvl6pPr algn="r" defTabSz="403387">
+        <a:defRPr sz="1200">
           <a:solidFill>
             <a:schemeClr val="tx1"/>
           </a:solidFill>
@@ -2994,8 +2956,8 @@
           <a:sym typeface="Calibri"/>
         </a:defRPr>
       </a:lvl6pPr>
-      <a:lvl7pPr indent="2420324" algn="r" defTabSz="403387">
-        <a:defRPr sz="1100">
+      <a:lvl7pPr algn="r" defTabSz="403387">
+        <a:defRPr sz="1200">
           <a:solidFill>
             <a:schemeClr val="tx1"/>
           </a:solidFill>
@@ -3005,8 +2967,8 @@
           <a:sym typeface="Calibri"/>
         </a:defRPr>
       </a:lvl7pPr>
-      <a:lvl8pPr indent="2823712" algn="r" defTabSz="403387">
-        <a:defRPr sz="1100">
+      <a:lvl8pPr algn="r" defTabSz="403387">
+        <a:defRPr sz="1200">
           <a:solidFill>
             <a:schemeClr val="tx1"/>
           </a:solidFill>
@@ -3016,8 +2978,8 @@
           <a:sym typeface="Calibri"/>
         </a:defRPr>
       </a:lvl8pPr>
-      <a:lvl9pPr indent="3227099" algn="r" defTabSz="403387">
-        <a:defRPr sz="1100">
+      <a:lvl9pPr algn="r" defTabSz="403387">
+        <a:defRPr sz="1200">
           <a:solidFill>
             <a:schemeClr val="tx1"/>
           </a:solidFill>
@@ -3051,7 +3013,7 @@
       </p:grpSpPr>
       <p:sp>
         <p:nvSpPr>
-          <p:cNvPr id="48" name="Shape 48"/>
+          <p:cNvPr id="44" name="Shape 44"/>
           <p:cNvSpPr/>
           <p:nvPr>
             <p:ph type="title"/>
@@ -3060,7 +3022,7 @@
         <p:spPr>
           <a:xfrm>
             <a:off x="1166812" y="674138"/>
-            <a:ext cx="4612408" cy="461666"/>
+            <a:ext cx="4612409" cy="461667"/>
           </a:xfrm>
           <a:prstGeom prst="rect">
             <a:avLst/>
@@ -3072,15 +3034,15 @@
           </a:bodyPr>
           <a:lstStyle/>
           <a:p>
-            <a:pPr lvl="0" defTabSz="342879">
-              <a:defRPr sz="2040"/>
+            <a:pPr lvl="0" defTabSz="342878">
+              <a:defRPr sz="2000"/>
             </a:pPr>
           </a:p>
         </p:txBody>
       </p:sp>
       <p:sp>
         <p:nvSpPr>
-          <p:cNvPr id="49" name="Shape 49"/>
+          <p:cNvPr id="45" name="Shape 45"/>
           <p:cNvSpPr/>
           <p:nvPr>
             <p:ph type="body" idx="1"/>
@@ -3088,8 +3050,8 @@
         </p:nvSpPr>
         <p:spPr>
           <a:xfrm>
-            <a:off x="1166812" y="973846"/>
-            <a:ext cx="5293997" cy="462330"/>
+            <a:off x="1166812" y="973845"/>
+            <a:ext cx="5293998" cy="462331"/>
           </a:xfrm>
           <a:prstGeom prst="rect">
             <a:avLst/>
@@ -3131,7 +3093,7 @@
       </p:grpSpPr>
       <p:sp>
         <p:nvSpPr>
-          <p:cNvPr id="51" name="Shape 51"/>
+          <p:cNvPr id="47" name="Shape 47"/>
           <p:cNvSpPr/>
           <p:nvPr>
             <p:ph type="body" idx="1"/>
@@ -3140,7 +3102,7 @@
         <p:spPr>
           <a:xfrm>
             <a:off x="858837" y="1555749"/>
-            <a:ext cx="6011547" cy="3133837"/>
+            <a:ext cx="6011548" cy="3133838"/>
           </a:xfrm>
           <a:prstGeom prst="rect">
             <a:avLst/>
@@ -3206,14 +3168,14 @@
     </a:clrScheme>
     <a:fontScheme name="Default">
       <a:majorFont>
+        <a:latin typeface="Helvetica Neue"/>
+        <a:ea typeface="Helvetica Neue"/>
+        <a:cs typeface="Helvetica Neue"/>
+      </a:majorFont>
+      <a:minorFont>
         <a:latin typeface="Helvetica"/>
         <a:ea typeface="Helvetica"/>
         <a:cs typeface="Helvetica"/>
-      </a:majorFont>
-      <a:minorFont>
-        <a:latin typeface="Helvetica Neue"/>
-        <a:ea typeface="Helvetica Neue"/>
-        <a:cs typeface="Helvetica Neue"/>
       </a:minorFont>
     </a:fontScheme>
     <a:fmtScheme name="Default">
@@ -3308,9 +3270,9 @@
         </a:effectStyle>
         <a:effectStyle>
           <a:effectLst>
-            <a:outerShdw sx="100000" sy="100000" kx="0" ky="0" algn="b" rotWithShape="0" blurRad="38100" dist="20000" dir="5400000">
+            <a:outerShdw sx="100000" sy="100000" kx="0" ky="0" algn="b" rotWithShape="0" blurRad="38100" dist="23000" dir="5400000">
               <a:srgbClr val="000000">
-                <a:alpha val="38000"/>
+                <a:alpha val="35000"/>
               </a:srgbClr>
             </a:outerShdw>
           </a:effectLst>
@@ -3389,7 +3351,7 @@
           </a:outerShdw>
         </a:effectLst>
       </a:spPr>
-      <a:bodyPr rot="0" spcFirstLastPara="1" vertOverflow="overflow" horzOverflow="overflow" vert="horz" wrap="square" lIns="45719" tIns="45719" rIns="45719" bIns="45719" numCol="1" spcCol="38100" rtlCol="0" anchor="ctr" upright="0">
+      <a:bodyPr rot="0" spcFirstLastPara="1" vertOverflow="overflow" horzOverflow="overflow" vert="horz" wrap="square" lIns="45718" tIns="45718" rIns="45718" bIns="45718" numCol="1" spcCol="38100" rtlCol="0" anchor="ctr" upright="0">
         <a:spAutoFit/>
       </a:bodyPr>
       <a:lstStyle>
@@ -3417,10 +3379,10 @@
             </a:solidFill>
             <a:effectLst/>
             <a:uFillTx/>
-            <a:latin typeface="Calibri"/>
-            <a:ea typeface="Calibri"/>
-            <a:cs typeface="Calibri"/>
-            <a:sym typeface="Calibri"/>
+            <a:latin typeface="+mj-lt"/>
+            <a:ea typeface="+mj-ea"/>
+            <a:cs typeface="+mj-cs"/>
+            <a:sym typeface="Helvetica Neue"/>
           </a:defRPr>
         </a:defPPr>
         <a:lvl1pPr marL="0" marR="0" indent="0" algn="l" defTabSz="914400" rtl="0" fontAlgn="auto" latinLnBrk="1" hangingPunct="0">
@@ -3676,9 +3638,9 @@
           <a:bevel/>
         </a:ln>
         <a:effectLst>
-          <a:outerShdw sx="100000" sy="100000" kx="0" ky="0" algn="b" rotWithShape="0" blurRad="38100" dist="20000" dir="5400000">
+          <a:outerShdw sx="100000" sy="100000" kx="0" ky="0" algn="b" rotWithShape="0" blurRad="38100" dist="23000" dir="5400000">
             <a:srgbClr val="000000">
-              <a:alpha val="38000"/>
+              <a:alpha val="35000"/>
             </a:srgbClr>
           </a:outerShdw>
         </a:effectLst>
@@ -3964,7 +3926,7 @@
         </a:ln>
         <a:effectLst/>
       </a:spPr>
-      <a:bodyPr rot="0" spcFirstLastPara="1" vertOverflow="overflow" horzOverflow="overflow" vert="horz" wrap="square" lIns="45719" tIns="45719" rIns="45719" bIns="45719" numCol="1" spcCol="38100" rtlCol="0" anchor="t" upright="0">
+      <a:bodyPr rot="0" spcFirstLastPara="1" vertOverflow="overflow" horzOverflow="overflow" vert="horz" wrap="square" lIns="45718" tIns="45718" rIns="45718" bIns="45718" numCol="1" spcCol="38100" rtlCol="0" anchor="t" upright="0">
         <a:spAutoFit/>
       </a:bodyPr>
       <a:lstStyle>
@@ -3992,10 +3954,10 @@
             </a:solidFill>
             <a:effectLst/>
             <a:uFillTx/>
-            <a:latin typeface="Calibri"/>
-            <a:ea typeface="Calibri"/>
-            <a:cs typeface="Calibri"/>
-            <a:sym typeface="Calibri"/>
+            <a:latin typeface="+mj-lt"/>
+            <a:ea typeface="+mj-ea"/>
+            <a:cs typeface="+mj-cs"/>
+            <a:sym typeface="Helvetica Neue"/>
           </a:defRPr>
         </a:defPPr>
         <a:lvl1pPr marL="0" marR="0" indent="0" algn="l" defTabSz="914400" rtl="0" fontAlgn="auto" latinLnBrk="1" hangingPunct="0">
@@ -4287,14 +4249,14 @@
     </a:clrScheme>
     <a:fontScheme name="Default">
       <a:majorFont>
+        <a:latin typeface="Helvetica Neue"/>
+        <a:ea typeface="Helvetica Neue"/>
+        <a:cs typeface="Helvetica Neue"/>
+      </a:majorFont>
+      <a:minorFont>
         <a:latin typeface="Helvetica"/>
         <a:ea typeface="Helvetica"/>
         <a:cs typeface="Helvetica"/>
-      </a:majorFont>
-      <a:minorFont>
-        <a:latin typeface="Helvetica Neue"/>
-        <a:ea typeface="Helvetica Neue"/>
-        <a:cs typeface="Helvetica Neue"/>
       </a:minorFont>
     </a:fontScheme>
     <a:fmtScheme name="Default">
@@ -4389,9 +4351,9 @@
         </a:effectStyle>
         <a:effectStyle>
           <a:effectLst>
-            <a:outerShdw sx="100000" sy="100000" kx="0" ky="0" algn="b" rotWithShape="0" blurRad="38100" dist="20000" dir="5400000">
+            <a:outerShdw sx="100000" sy="100000" kx="0" ky="0" algn="b" rotWithShape="0" blurRad="38100" dist="23000" dir="5400000">
               <a:srgbClr val="000000">
-                <a:alpha val="38000"/>
+                <a:alpha val="35000"/>
               </a:srgbClr>
             </a:outerShdw>
           </a:effectLst>
@@ -4470,7 +4432,7 @@
           </a:outerShdw>
         </a:effectLst>
       </a:spPr>
-      <a:bodyPr rot="0" spcFirstLastPara="1" vertOverflow="overflow" horzOverflow="overflow" vert="horz" wrap="square" lIns="45719" tIns="45719" rIns="45719" bIns="45719" numCol="1" spcCol="38100" rtlCol="0" anchor="ctr" upright="0">
+      <a:bodyPr rot="0" spcFirstLastPara="1" vertOverflow="overflow" horzOverflow="overflow" vert="horz" wrap="square" lIns="45718" tIns="45718" rIns="45718" bIns="45718" numCol="1" spcCol="38100" rtlCol="0" anchor="ctr" upright="0">
         <a:spAutoFit/>
       </a:bodyPr>
       <a:lstStyle>
@@ -4498,10 +4460,10 @@
             </a:solidFill>
             <a:effectLst/>
             <a:uFillTx/>
-            <a:latin typeface="Calibri"/>
-            <a:ea typeface="Calibri"/>
-            <a:cs typeface="Calibri"/>
-            <a:sym typeface="Calibri"/>
+            <a:latin typeface="+mj-lt"/>
+            <a:ea typeface="+mj-ea"/>
+            <a:cs typeface="+mj-cs"/>
+            <a:sym typeface="Helvetica Neue"/>
           </a:defRPr>
         </a:defPPr>
         <a:lvl1pPr marL="0" marR="0" indent="0" algn="l" defTabSz="914400" rtl="0" fontAlgn="auto" latinLnBrk="1" hangingPunct="0">
@@ -4757,9 +4719,9 @@
           <a:bevel/>
         </a:ln>
         <a:effectLst>
-          <a:outerShdw sx="100000" sy="100000" kx="0" ky="0" algn="b" rotWithShape="0" blurRad="38100" dist="20000" dir="5400000">
+          <a:outerShdw sx="100000" sy="100000" kx="0" ky="0" algn="b" rotWithShape="0" blurRad="38100" dist="23000" dir="5400000">
             <a:srgbClr val="000000">
-              <a:alpha val="38000"/>
+              <a:alpha val="35000"/>
             </a:srgbClr>
           </a:outerShdw>
         </a:effectLst>
@@ -5045,7 +5007,7 @@
         </a:ln>
         <a:effectLst/>
       </a:spPr>
-      <a:bodyPr rot="0" spcFirstLastPara="1" vertOverflow="overflow" horzOverflow="overflow" vert="horz" wrap="square" lIns="45719" tIns="45719" rIns="45719" bIns="45719" numCol="1" spcCol="38100" rtlCol="0" anchor="t" upright="0">
+      <a:bodyPr rot="0" spcFirstLastPara="1" vertOverflow="overflow" horzOverflow="overflow" vert="horz" wrap="square" lIns="45718" tIns="45718" rIns="45718" bIns="45718" numCol="1" spcCol="38100" rtlCol="0" anchor="t" upright="0">
         <a:spAutoFit/>
       </a:bodyPr>
       <a:lstStyle>
@@ -5073,10 +5035,10 @@
             </a:solidFill>
             <a:effectLst/>
             <a:uFillTx/>
-            <a:latin typeface="Calibri"/>
-            <a:ea typeface="Calibri"/>
-            <a:cs typeface="Calibri"/>
-            <a:sym typeface="Calibri"/>
+            <a:latin typeface="+mj-lt"/>
+            <a:ea typeface="+mj-ea"/>
+            <a:cs typeface="+mj-cs"/>
+            <a:sym typeface="Helvetica Neue"/>
           </a:defRPr>
         </a:defPPr>
         <a:lvl1pPr marL="0" marR="0" indent="0" algn="l" defTabSz="914400" rtl="0" fontAlgn="auto" latinLnBrk="1" hangingPunct="0">
